--- a/admin/intro_slides/hackathon_intro_slides.pptx
+++ b/admin/intro_slides/hackathon_intro_slides.pptx
@@ -4198,8 +4198,8 @@
         </p:blipFill>
         <p:spPr>
           <a:xfrm>
-            <a:off x="2558535" y="2236509"/>
-            <a:ext cx="7887730" cy="7007782"/>
+            <a:off x="3260918" y="2376348"/>
+            <a:ext cx="6482964" cy="6987869"/>
           </a:xfrm>
           <a:prstGeom prst="rect">
             <a:avLst/>
